--- a/articles/doc/In mysql, limit 1000,10 and limt 10.pptx
+++ b/articles/doc/In mysql, limit 1000,10 and limt 10.pptx
@@ -5,16 +5,17 @@
     <p:sldMasterId id="2147483648" r:id="rId1"/>
   </p:sldMasterIdLst>
   <p:sldIdLst>
-    <p:sldId id="256" r:id="rId3"/>
+    <p:sldId id="261" r:id="rId3"/>
     <p:sldId id="257" r:id="rId4"/>
     <p:sldId id="258" r:id="rId5"/>
     <p:sldId id="259" r:id="rId6"/>
     <p:sldId id="260" r:id="rId7"/>
+    <p:sldId id="256" r:id="rId8"/>
   </p:sldIdLst>
   <p:sldSz cx="12192000" cy="6858000"/>
   <p:notesSz cx="6858000" cy="9144000"/>
   <p:custDataLst>
-    <p:tags r:id="rId11"/>
+    <p:tags r:id="rId12"/>
   </p:custDataLst>
   <p:defaultTextStyle>
     <a:defPPr>
@@ -3065,14 +3066,7 @@
         <p:cNvGrpSpPr/>
         <p:nvPr/>
       </p:nvGrpSpPr>
-      <p:grpSpPr>
-        <a:xfrm>
-          <a:off x="0" y="0"/>
-          <a:ext cx="0" cy="0"/>
-          <a:chOff x="0" y="0"/>
-          <a:chExt cx="0" cy="0"/>
-        </a:xfrm>
-      </p:grpSpPr>
+      <p:grpSpPr/>
       <p:graphicFrame>
         <p:nvGraphicFramePr>
           <p:cNvPr id="4" name="表格 3"/>
@@ -3652,170 +3646,6 @@
           </a:graphicData>
         </a:graphic>
       </p:graphicFrame>
-      <p:sp>
-        <p:nvSpPr>
-          <p:cNvPr id="5" name="左大括号 4"/>
-          <p:cNvSpPr/>
-          <p:nvPr/>
-        </p:nvSpPr>
-        <p:spPr>
-          <a:xfrm>
-            <a:off x="1910715" y="1231265"/>
-            <a:ext cx="152400" cy="1331595"/>
-          </a:xfrm>
-          <a:prstGeom prst="leftBrace">
-            <a:avLst/>
-          </a:prstGeom>
-          <a:ln>
-            <a:solidFill>
-              <a:schemeClr val="tx1"/>
-            </a:solidFill>
-          </a:ln>
-        </p:spPr>
-        <p:style>
-          <a:lnRef idx="1">
-            <a:schemeClr val="accent1"/>
-          </a:lnRef>
-          <a:fillRef idx="0">
-            <a:schemeClr val="accent1"/>
-          </a:fillRef>
-          <a:effectRef idx="0">
-            <a:schemeClr val="accent1"/>
-          </a:effectRef>
-          <a:fontRef idx="minor">
-            <a:schemeClr val="tx1"/>
-          </a:fontRef>
-        </p:style>
-        <p:txBody>
-          <a:bodyPr rtlCol="0" anchor="ctr"/>
-          <a:p>
-            <a:pPr algn="ctr"/>
-            <a:endParaRPr lang="zh-CN" altLang="en-US"/>
-          </a:p>
-        </p:txBody>
-      </p:sp>
-      <p:sp>
-        <p:nvSpPr>
-          <p:cNvPr id="6" name="文本框 5"/>
-          <p:cNvSpPr txBox="1"/>
-          <p:nvPr/>
-        </p:nvSpPr>
-        <p:spPr>
-          <a:xfrm>
-            <a:off x="1057910" y="1743710"/>
-            <a:ext cx="824230" cy="306705"/>
-          </a:xfrm>
-          <a:prstGeom prst="rect">
-            <a:avLst/>
-          </a:prstGeom>
-          <a:noFill/>
-        </p:spPr>
-        <p:txBody>
-          <a:bodyPr wrap="none" rtlCol="0">
-            <a:spAutoFit/>
-          </a:bodyPr>
-          <a:p>
-            <a:r>
-              <a:rPr lang="en-US" altLang="zh-CN" sz="1400"/>
-              <a:t>page 1</a:t>
-            </a:r>
-            <a:r>
-              <a:rPr lang="en-US" altLang="zh-CN" sz="1400" baseline="30000"/>
-              <a:t>th</a:t>
-            </a:r>
-            <a:endParaRPr lang="en-US" altLang="zh-CN" sz="1400" baseline="30000">
-              <a:latin typeface="宋体" panose="02010600030101010101" pitchFamily="2" charset="-122"/>
-              <a:ea typeface="宋体" panose="02010600030101010101" pitchFamily="2" charset="-122"/>
-            </a:endParaRPr>
-          </a:p>
-        </p:txBody>
-      </p:sp>
-      <p:sp>
-        <p:nvSpPr>
-          <p:cNvPr id="7" name="文本框 6"/>
-          <p:cNvSpPr txBox="1"/>
-          <p:nvPr/>
-        </p:nvSpPr>
-        <p:spPr>
-          <a:xfrm>
-            <a:off x="1057910" y="3674110"/>
-            <a:ext cx="730250" cy="275590"/>
-          </a:xfrm>
-          <a:prstGeom prst="rect">
-            <a:avLst/>
-          </a:prstGeom>
-          <a:noFill/>
-        </p:spPr>
-        <p:txBody>
-          <a:bodyPr wrap="none" rtlCol="0">
-            <a:spAutoFit/>
-          </a:bodyPr>
-          <a:p>
-            <a:pPr lvl="0" algn="l">
-              <a:buClrTx/>
-              <a:buSzTx/>
-              <a:buFontTx/>
-            </a:pPr>
-            <a:r>
-              <a:rPr lang="en-US" altLang="zh-CN" sz="1400">
-                <a:sym typeface="+mn-ea"/>
-              </a:rPr>
-              <a:t>page 5</a:t>
-            </a:r>
-            <a:r>
-              <a:rPr lang="en-US" altLang="zh-CN" sz="1400">
-                <a:sym typeface="+mn-ea"/>
-              </a:rPr>
-              <a:t>th</a:t>
-            </a:r>
-            <a:endParaRPr lang="en-US" altLang="zh-CN" sz="1400">
-              <a:sym typeface="+mn-ea"/>
-            </a:endParaRPr>
-          </a:p>
-        </p:txBody>
-      </p:sp>
-      <p:sp>
-        <p:nvSpPr>
-          <p:cNvPr id="9" name="左大括号 8"/>
-          <p:cNvSpPr/>
-          <p:nvPr/>
-        </p:nvSpPr>
-        <p:spPr>
-          <a:xfrm>
-            <a:off x="1962150" y="3146425"/>
-            <a:ext cx="152400" cy="1331595"/>
-          </a:xfrm>
-          <a:prstGeom prst="leftBrace">
-            <a:avLst/>
-          </a:prstGeom>
-          <a:ln>
-            <a:solidFill>
-              <a:schemeClr val="tx1"/>
-            </a:solidFill>
-          </a:ln>
-        </p:spPr>
-        <p:style>
-          <a:lnRef idx="1">
-            <a:schemeClr val="accent1"/>
-          </a:lnRef>
-          <a:fillRef idx="0">
-            <a:schemeClr val="accent1"/>
-          </a:fillRef>
-          <a:effectRef idx="0">
-            <a:schemeClr val="accent1"/>
-          </a:effectRef>
-          <a:fontRef idx="minor">
-            <a:schemeClr val="tx1"/>
-          </a:fontRef>
-        </p:style>
-        <p:txBody>
-          <a:bodyPr rtlCol="0" anchor="ctr"/>
-          <a:p>
-            <a:pPr algn="ctr"/>
-            <a:endParaRPr lang="zh-CN" altLang="en-US"/>
-          </a:p>
-        </p:txBody>
-      </p:sp>
     </p:spTree>
     <p:custDataLst>
       <p:tags r:id="rId2"/>
@@ -18298,6 +18128,2080 @@
           </a:p>
         </p:txBody>
       </p:sp>
+    </p:spTree>
+    <p:custDataLst>
+      <p:tags r:id="rId1"/>
+    </p:custDataLst>
+  </p:cSld>
+  <p:clrMapOvr>
+    <a:masterClrMapping/>
+  </p:clrMapOvr>
+</p:sld>
+</file>
+
+<file path=ppt/slides/slide6.xml><?xml version="1.0" encoding="utf-8"?>
+<p:sld xmlns:a="http://schemas.openxmlformats.org/drawingml/2006/main" xmlns:r="http://schemas.openxmlformats.org/officeDocument/2006/relationships" xmlns:p="http://schemas.openxmlformats.org/presentationml/2006/main">
+  <p:cSld>
+    <p:spTree>
+      <p:nvGrpSpPr>
+        <p:cNvPr id="1" name=""/>
+        <p:cNvGrpSpPr/>
+        <p:nvPr/>
+      </p:nvGrpSpPr>
+      <p:grpSpPr>
+        <a:xfrm>
+          <a:off x="0" y="0"/>
+          <a:ext cx="0" cy="0"/>
+          <a:chOff x="0" y="0"/>
+          <a:chExt cx="0" cy="0"/>
+        </a:xfrm>
+      </p:grpSpPr>
+      <p:sp>
+        <p:nvSpPr>
+          <p:cNvPr id="2" name="矩形 1"/>
+          <p:cNvSpPr/>
+          <p:nvPr/>
+        </p:nvSpPr>
+        <p:spPr>
+          <a:xfrm>
+            <a:off x="3881755" y="1846580"/>
+            <a:ext cx="403225" cy="200660"/>
+          </a:xfrm>
+          <a:prstGeom prst="rect">
+            <a:avLst/>
+          </a:prstGeom>
+        </p:spPr>
+        <p:style>
+          <a:lnRef idx="2">
+            <a:schemeClr val="accent1">
+              <a:shade val="50000"/>
+            </a:schemeClr>
+          </a:lnRef>
+          <a:fillRef idx="1">
+            <a:schemeClr val="accent1"/>
+          </a:fillRef>
+          <a:effectRef idx="0">
+            <a:schemeClr val="accent1"/>
+          </a:effectRef>
+          <a:fontRef idx="minor">
+            <a:schemeClr val="lt1"/>
+          </a:fontRef>
+        </p:style>
+        <p:txBody>
+          <a:bodyPr rtlCol="0" anchor="ctr"/>
+          <a:p>
+            <a:pPr algn="ctr"/>
+            <a:r>
+              <a:rPr lang="en-US" altLang="zh-CN" sz="1000">
+                <a:solidFill>
+                  <a:schemeClr val="tx1"/>
+                </a:solidFill>
+              </a:rPr>
+              <a:t>1</a:t>
+            </a:r>
+            <a:endParaRPr lang="en-US" altLang="zh-CN" sz="1000">
+              <a:solidFill>
+                <a:schemeClr val="tx1"/>
+              </a:solidFill>
+            </a:endParaRPr>
+          </a:p>
+        </p:txBody>
+      </p:sp>
+      <p:sp>
+        <p:nvSpPr>
+          <p:cNvPr id="3" name="矩形 2"/>
+          <p:cNvSpPr/>
+          <p:nvPr/>
+        </p:nvSpPr>
+        <p:spPr>
+          <a:xfrm>
+            <a:off x="4284980" y="1846580"/>
+            <a:ext cx="1169670" cy="201295"/>
+          </a:xfrm>
+          <a:prstGeom prst="rect">
+            <a:avLst/>
+          </a:prstGeom>
+        </p:spPr>
+        <p:style>
+          <a:lnRef idx="2">
+            <a:schemeClr val="accent1">
+              <a:shade val="50000"/>
+            </a:schemeClr>
+          </a:lnRef>
+          <a:fillRef idx="1">
+            <a:schemeClr val="accent1"/>
+          </a:fillRef>
+          <a:effectRef idx="0">
+            <a:schemeClr val="accent1"/>
+          </a:effectRef>
+          <a:fontRef idx="minor">
+            <a:schemeClr val="lt1"/>
+          </a:fontRef>
+        </p:style>
+        <p:txBody>
+          <a:bodyPr rtlCol="0" anchor="ctr"/>
+          <a:p>
+            <a:pPr algn="ctr"/>
+            <a:r>
+              <a:rPr lang="en-US" altLang="zh-CN" sz="1000">
+                <a:solidFill>
+                  <a:schemeClr val="tx1"/>
+                </a:solidFill>
+                <a:sym typeface="+mn-ea"/>
+              </a:rPr>
+              <a:t>JanessaTech1</a:t>
+            </a:r>
+            <a:endParaRPr lang="en-US" altLang="zh-CN" sz="1000">
+              <a:solidFill>
+                <a:schemeClr val="tx1"/>
+              </a:solidFill>
+              <a:sym typeface="+mn-ea"/>
+            </a:endParaRPr>
+          </a:p>
+        </p:txBody>
+      </p:sp>
+      <p:sp>
+        <p:nvSpPr>
+          <p:cNvPr id="8" name="矩形 7"/>
+          <p:cNvSpPr/>
+          <p:nvPr/>
+        </p:nvSpPr>
+        <p:spPr>
+          <a:xfrm>
+            <a:off x="3881755" y="2047240"/>
+            <a:ext cx="403225" cy="200660"/>
+          </a:xfrm>
+          <a:prstGeom prst="rect">
+            <a:avLst/>
+          </a:prstGeom>
+        </p:spPr>
+        <p:style>
+          <a:lnRef idx="2">
+            <a:schemeClr val="accent1">
+              <a:shade val="50000"/>
+            </a:schemeClr>
+          </a:lnRef>
+          <a:fillRef idx="1">
+            <a:schemeClr val="accent1"/>
+          </a:fillRef>
+          <a:effectRef idx="0">
+            <a:schemeClr val="accent1"/>
+          </a:effectRef>
+          <a:fontRef idx="minor">
+            <a:schemeClr val="lt1"/>
+          </a:fontRef>
+        </p:style>
+        <p:txBody>
+          <a:bodyPr rtlCol="0" anchor="ctr"/>
+          <a:p>
+            <a:pPr algn="ctr"/>
+            <a:r>
+              <a:rPr lang="en-US" altLang="zh-CN" sz="1000">
+                <a:solidFill>
+                  <a:schemeClr val="tx1"/>
+                </a:solidFill>
+              </a:rPr>
+              <a:t>2</a:t>
+            </a:r>
+            <a:endParaRPr lang="en-US" altLang="zh-CN" sz="1000">
+              <a:solidFill>
+                <a:schemeClr val="tx1"/>
+              </a:solidFill>
+            </a:endParaRPr>
+          </a:p>
+        </p:txBody>
+      </p:sp>
+      <p:sp>
+        <p:nvSpPr>
+          <p:cNvPr id="10" name="矩形 9"/>
+          <p:cNvSpPr/>
+          <p:nvPr/>
+        </p:nvSpPr>
+        <p:spPr>
+          <a:xfrm>
+            <a:off x="4284980" y="2047240"/>
+            <a:ext cx="1169670" cy="201295"/>
+          </a:xfrm>
+          <a:prstGeom prst="rect">
+            <a:avLst/>
+          </a:prstGeom>
+        </p:spPr>
+        <p:style>
+          <a:lnRef idx="2">
+            <a:schemeClr val="accent1">
+              <a:shade val="50000"/>
+            </a:schemeClr>
+          </a:lnRef>
+          <a:fillRef idx="1">
+            <a:schemeClr val="accent1"/>
+          </a:fillRef>
+          <a:effectRef idx="0">
+            <a:schemeClr val="accent1"/>
+          </a:effectRef>
+          <a:fontRef idx="minor">
+            <a:schemeClr val="lt1"/>
+          </a:fontRef>
+        </p:style>
+        <p:txBody>
+          <a:bodyPr rtlCol="0" anchor="ctr"/>
+          <a:p>
+            <a:pPr algn="ctr"/>
+            <a:r>
+              <a:rPr lang="en-US" altLang="zh-CN" sz="1000">
+                <a:solidFill>
+                  <a:schemeClr val="tx1"/>
+                </a:solidFill>
+                <a:sym typeface="+mn-ea"/>
+              </a:rPr>
+              <a:t>JanessaTech2</a:t>
+            </a:r>
+            <a:endParaRPr lang="en-US" altLang="zh-CN" sz="1000">
+              <a:solidFill>
+                <a:schemeClr val="tx1"/>
+              </a:solidFill>
+              <a:sym typeface="+mn-ea"/>
+            </a:endParaRPr>
+          </a:p>
+        </p:txBody>
+      </p:sp>
+      <p:sp>
+        <p:nvSpPr>
+          <p:cNvPr id="11" name="矩形 10"/>
+          <p:cNvSpPr/>
+          <p:nvPr/>
+        </p:nvSpPr>
+        <p:spPr>
+          <a:xfrm>
+            <a:off x="3875405" y="2240280"/>
+            <a:ext cx="403225" cy="200660"/>
+          </a:xfrm>
+          <a:prstGeom prst="rect">
+            <a:avLst/>
+          </a:prstGeom>
+        </p:spPr>
+        <p:style>
+          <a:lnRef idx="2">
+            <a:schemeClr val="accent1">
+              <a:shade val="50000"/>
+            </a:schemeClr>
+          </a:lnRef>
+          <a:fillRef idx="1">
+            <a:schemeClr val="accent1"/>
+          </a:fillRef>
+          <a:effectRef idx="0">
+            <a:schemeClr val="accent1"/>
+          </a:effectRef>
+          <a:fontRef idx="minor">
+            <a:schemeClr val="lt1"/>
+          </a:fontRef>
+        </p:style>
+        <p:txBody>
+          <a:bodyPr rtlCol="0" anchor="ctr"/>
+          <a:p>
+            <a:pPr algn="ctr"/>
+            <a:r>
+              <a:rPr lang="en-US" altLang="zh-CN" sz="1000">
+                <a:solidFill>
+                  <a:schemeClr val="tx1"/>
+                </a:solidFill>
+              </a:rPr>
+              <a:t>3</a:t>
+            </a:r>
+            <a:endParaRPr lang="en-US" altLang="zh-CN" sz="1000">
+              <a:solidFill>
+                <a:schemeClr val="tx1"/>
+              </a:solidFill>
+            </a:endParaRPr>
+          </a:p>
+        </p:txBody>
+      </p:sp>
+      <p:sp>
+        <p:nvSpPr>
+          <p:cNvPr id="12" name="矩形 11"/>
+          <p:cNvSpPr/>
+          <p:nvPr/>
+        </p:nvSpPr>
+        <p:spPr>
+          <a:xfrm>
+            <a:off x="4278630" y="2240280"/>
+            <a:ext cx="1176020" cy="201295"/>
+          </a:xfrm>
+          <a:prstGeom prst="rect">
+            <a:avLst/>
+          </a:prstGeom>
+        </p:spPr>
+        <p:style>
+          <a:lnRef idx="2">
+            <a:schemeClr val="accent1">
+              <a:shade val="50000"/>
+            </a:schemeClr>
+          </a:lnRef>
+          <a:fillRef idx="1">
+            <a:schemeClr val="accent1"/>
+          </a:fillRef>
+          <a:effectRef idx="0">
+            <a:schemeClr val="accent1"/>
+          </a:effectRef>
+          <a:fontRef idx="minor">
+            <a:schemeClr val="lt1"/>
+          </a:fontRef>
+        </p:style>
+        <p:txBody>
+          <a:bodyPr rtlCol="0" anchor="ctr"/>
+          <a:p>
+            <a:pPr algn="ctr"/>
+            <a:r>
+              <a:rPr lang="en-US" altLang="zh-CN" sz="1000">
+                <a:solidFill>
+                  <a:schemeClr val="tx1"/>
+                </a:solidFill>
+                <a:sym typeface="+mn-ea"/>
+              </a:rPr>
+              <a:t>JanessaTech3</a:t>
+            </a:r>
+            <a:endParaRPr lang="en-US" altLang="zh-CN" sz="1000">
+              <a:solidFill>
+                <a:schemeClr val="tx1"/>
+              </a:solidFill>
+              <a:sym typeface="+mn-ea"/>
+            </a:endParaRPr>
+          </a:p>
+        </p:txBody>
+      </p:sp>
+      <p:sp>
+        <p:nvSpPr>
+          <p:cNvPr id="13" name="矩形 12"/>
+          <p:cNvSpPr/>
+          <p:nvPr/>
+        </p:nvSpPr>
+        <p:spPr>
+          <a:xfrm>
+            <a:off x="3875405" y="2440940"/>
+            <a:ext cx="403225" cy="200660"/>
+          </a:xfrm>
+          <a:prstGeom prst="rect">
+            <a:avLst/>
+          </a:prstGeom>
+        </p:spPr>
+        <p:style>
+          <a:lnRef idx="2">
+            <a:schemeClr val="accent1">
+              <a:shade val="50000"/>
+            </a:schemeClr>
+          </a:lnRef>
+          <a:fillRef idx="1">
+            <a:schemeClr val="accent1"/>
+          </a:fillRef>
+          <a:effectRef idx="0">
+            <a:schemeClr val="accent1"/>
+          </a:effectRef>
+          <a:fontRef idx="minor">
+            <a:schemeClr val="lt1"/>
+          </a:fontRef>
+        </p:style>
+        <p:txBody>
+          <a:bodyPr rtlCol="0" anchor="ctr"/>
+          <a:p>
+            <a:pPr algn="ctr"/>
+            <a:r>
+              <a:rPr lang="en-US" altLang="zh-CN" sz="1000">
+                <a:solidFill>
+                  <a:schemeClr val="tx1"/>
+                </a:solidFill>
+              </a:rPr>
+              <a:t>...</a:t>
+            </a:r>
+            <a:endParaRPr lang="en-US" altLang="zh-CN" sz="1000">
+              <a:solidFill>
+                <a:schemeClr val="tx1"/>
+              </a:solidFill>
+            </a:endParaRPr>
+          </a:p>
+        </p:txBody>
+      </p:sp>
+      <p:sp>
+        <p:nvSpPr>
+          <p:cNvPr id="14" name="矩形 13"/>
+          <p:cNvSpPr/>
+          <p:nvPr/>
+        </p:nvSpPr>
+        <p:spPr>
+          <a:xfrm>
+            <a:off x="4278630" y="2440940"/>
+            <a:ext cx="1176020" cy="201295"/>
+          </a:xfrm>
+          <a:prstGeom prst="rect">
+            <a:avLst/>
+          </a:prstGeom>
+        </p:spPr>
+        <p:style>
+          <a:lnRef idx="2">
+            <a:schemeClr val="accent1">
+              <a:shade val="50000"/>
+            </a:schemeClr>
+          </a:lnRef>
+          <a:fillRef idx="1">
+            <a:schemeClr val="accent1"/>
+          </a:fillRef>
+          <a:effectRef idx="0">
+            <a:schemeClr val="accent1"/>
+          </a:effectRef>
+          <a:fontRef idx="minor">
+            <a:schemeClr val="lt1"/>
+          </a:fontRef>
+        </p:style>
+        <p:txBody>
+          <a:bodyPr rtlCol="0" anchor="ctr"/>
+          <a:p>
+            <a:pPr algn="ctr"/>
+            <a:r>
+              <a:rPr lang="en-US" altLang="zh-CN" sz="1000">
+                <a:solidFill>
+                  <a:schemeClr val="tx1"/>
+                </a:solidFill>
+              </a:rPr>
+              <a:t>...</a:t>
+            </a:r>
+            <a:endParaRPr lang="en-US" altLang="zh-CN" sz="1000">
+              <a:solidFill>
+                <a:schemeClr val="tx1"/>
+              </a:solidFill>
+            </a:endParaRPr>
+          </a:p>
+        </p:txBody>
+      </p:sp>
+      <p:sp>
+        <p:nvSpPr>
+          <p:cNvPr id="15" name="矩形 14"/>
+          <p:cNvSpPr/>
+          <p:nvPr/>
+        </p:nvSpPr>
+        <p:spPr>
+          <a:xfrm>
+            <a:off x="3878580" y="2634615"/>
+            <a:ext cx="403225" cy="200660"/>
+          </a:xfrm>
+          <a:prstGeom prst="rect">
+            <a:avLst/>
+          </a:prstGeom>
+        </p:spPr>
+        <p:style>
+          <a:lnRef idx="2">
+            <a:schemeClr val="accent1">
+              <a:shade val="50000"/>
+            </a:schemeClr>
+          </a:lnRef>
+          <a:fillRef idx="1">
+            <a:schemeClr val="accent1"/>
+          </a:fillRef>
+          <a:effectRef idx="0">
+            <a:schemeClr val="accent1"/>
+          </a:effectRef>
+          <a:fontRef idx="minor">
+            <a:schemeClr val="lt1"/>
+          </a:fontRef>
+        </p:style>
+        <p:txBody>
+          <a:bodyPr rtlCol="0" anchor="ctr"/>
+          <a:p>
+            <a:pPr algn="ctr"/>
+            <a:r>
+              <a:rPr lang="en-US" altLang="zh-CN" sz="1000">
+                <a:solidFill>
+                  <a:schemeClr val="tx1"/>
+                </a:solidFill>
+              </a:rPr>
+              <a:t>41</a:t>
+            </a:r>
+            <a:endParaRPr lang="en-US" altLang="zh-CN" sz="1000">
+              <a:solidFill>
+                <a:schemeClr val="tx1"/>
+              </a:solidFill>
+            </a:endParaRPr>
+          </a:p>
+        </p:txBody>
+      </p:sp>
+      <p:sp>
+        <p:nvSpPr>
+          <p:cNvPr id="16" name="矩形 15"/>
+          <p:cNvSpPr/>
+          <p:nvPr/>
+        </p:nvSpPr>
+        <p:spPr>
+          <a:xfrm>
+            <a:off x="4281805" y="2634615"/>
+            <a:ext cx="1176020" cy="201295"/>
+          </a:xfrm>
+          <a:prstGeom prst="rect">
+            <a:avLst/>
+          </a:prstGeom>
+        </p:spPr>
+        <p:style>
+          <a:lnRef idx="2">
+            <a:schemeClr val="accent1">
+              <a:shade val="50000"/>
+            </a:schemeClr>
+          </a:lnRef>
+          <a:fillRef idx="1">
+            <a:schemeClr val="accent1"/>
+          </a:fillRef>
+          <a:effectRef idx="0">
+            <a:schemeClr val="accent1"/>
+          </a:effectRef>
+          <a:fontRef idx="minor">
+            <a:schemeClr val="lt1"/>
+          </a:fontRef>
+        </p:style>
+        <p:txBody>
+          <a:bodyPr rtlCol="0" anchor="ctr"/>
+          <a:p>
+            <a:pPr algn="ctr"/>
+            <a:r>
+              <a:rPr lang="en-US" altLang="zh-CN" sz="1000">
+                <a:solidFill>
+                  <a:schemeClr val="tx1"/>
+                </a:solidFill>
+                <a:sym typeface="+mn-ea"/>
+              </a:rPr>
+              <a:t>JanessaTech41</a:t>
+            </a:r>
+            <a:endParaRPr lang="en-US" altLang="zh-CN" sz="1000">
+              <a:solidFill>
+                <a:schemeClr val="tx1"/>
+              </a:solidFill>
+              <a:sym typeface="+mn-ea"/>
+            </a:endParaRPr>
+          </a:p>
+        </p:txBody>
+      </p:sp>
+      <p:sp>
+        <p:nvSpPr>
+          <p:cNvPr id="17" name="矩形 16"/>
+          <p:cNvSpPr/>
+          <p:nvPr/>
+        </p:nvSpPr>
+        <p:spPr>
+          <a:xfrm>
+            <a:off x="3881755" y="2837815"/>
+            <a:ext cx="396875" cy="200025"/>
+          </a:xfrm>
+          <a:prstGeom prst="rect">
+            <a:avLst/>
+          </a:prstGeom>
+        </p:spPr>
+        <p:style>
+          <a:lnRef idx="2">
+            <a:schemeClr val="accent1">
+              <a:shade val="50000"/>
+            </a:schemeClr>
+          </a:lnRef>
+          <a:fillRef idx="1">
+            <a:schemeClr val="accent1"/>
+          </a:fillRef>
+          <a:effectRef idx="0">
+            <a:schemeClr val="accent1"/>
+          </a:effectRef>
+          <a:fontRef idx="minor">
+            <a:schemeClr val="lt1"/>
+          </a:fontRef>
+        </p:style>
+        <p:txBody>
+          <a:bodyPr rtlCol="0" anchor="ctr"/>
+          <a:p>
+            <a:pPr algn="ctr"/>
+            <a:r>
+              <a:rPr lang="en-US" altLang="zh-CN" sz="1000">
+                <a:solidFill>
+                  <a:schemeClr val="tx1"/>
+                </a:solidFill>
+              </a:rPr>
+              <a:t>42</a:t>
+            </a:r>
+            <a:endParaRPr lang="en-US" altLang="zh-CN" sz="1000">
+              <a:solidFill>
+                <a:schemeClr val="tx1"/>
+              </a:solidFill>
+            </a:endParaRPr>
+          </a:p>
+        </p:txBody>
+      </p:sp>
+      <p:sp>
+        <p:nvSpPr>
+          <p:cNvPr id="18" name="矩形 17"/>
+          <p:cNvSpPr/>
+          <p:nvPr/>
+        </p:nvSpPr>
+        <p:spPr>
+          <a:xfrm>
+            <a:off x="4284980" y="2837815"/>
+            <a:ext cx="1176020" cy="201295"/>
+          </a:xfrm>
+          <a:prstGeom prst="rect">
+            <a:avLst/>
+          </a:prstGeom>
+        </p:spPr>
+        <p:style>
+          <a:lnRef idx="2">
+            <a:schemeClr val="accent1">
+              <a:shade val="50000"/>
+            </a:schemeClr>
+          </a:lnRef>
+          <a:fillRef idx="1">
+            <a:schemeClr val="accent1"/>
+          </a:fillRef>
+          <a:effectRef idx="0">
+            <a:schemeClr val="accent1"/>
+          </a:effectRef>
+          <a:fontRef idx="minor">
+            <a:schemeClr val="lt1"/>
+          </a:fontRef>
+        </p:style>
+        <p:txBody>
+          <a:bodyPr rtlCol="0" anchor="ctr"/>
+          <a:p>
+            <a:pPr algn="ctr"/>
+            <a:r>
+              <a:rPr lang="en-US" altLang="zh-CN" sz="1000">
+                <a:solidFill>
+                  <a:schemeClr val="tx1"/>
+                </a:solidFill>
+                <a:sym typeface="+mn-ea"/>
+              </a:rPr>
+              <a:t>JanessaTech42</a:t>
+            </a:r>
+            <a:endParaRPr lang="en-US" altLang="zh-CN" sz="1000">
+              <a:solidFill>
+                <a:schemeClr val="tx1"/>
+              </a:solidFill>
+            </a:endParaRPr>
+          </a:p>
+        </p:txBody>
+      </p:sp>
+      <p:sp>
+        <p:nvSpPr>
+          <p:cNvPr id="19" name="矩形 18"/>
+          <p:cNvSpPr/>
+          <p:nvPr/>
+        </p:nvSpPr>
+        <p:spPr>
+          <a:xfrm>
+            <a:off x="3878580" y="3044190"/>
+            <a:ext cx="403225" cy="200660"/>
+          </a:xfrm>
+          <a:prstGeom prst="rect">
+            <a:avLst/>
+          </a:prstGeom>
+        </p:spPr>
+        <p:style>
+          <a:lnRef idx="2">
+            <a:schemeClr val="accent1">
+              <a:shade val="50000"/>
+            </a:schemeClr>
+          </a:lnRef>
+          <a:fillRef idx="1">
+            <a:schemeClr val="accent1"/>
+          </a:fillRef>
+          <a:effectRef idx="0">
+            <a:schemeClr val="accent1"/>
+          </a:effectRef>
+          <a:fontRef idx="minor">
+            <a:schemeClr val="lt1"/>
+          </a:fontRef>
+        </p:style>
+        <p:txBody>
+          <a:bodyPr rtlCol="0" anchor="ctr"/>
+          <a:p>
+            <a:pPr algn="ctr"/>
+            <a:r>
+              <a:rPr lang="en-US" altLang="zh-CN" sz="1000">
+                <a:solidFill>
+                  <a:schemeClr val="tx1"/>
+                </a:solidFill>
+              </a:rPr>
+              <a:t>...</a:t>
+            </a:r>
+            <a:endParaRPr lang="en-US" altLang="zh-CN" sz="1000">
+              <a:solidFill>
+                <a:schemeClr val="tx1"/>
+              </a:solidFill>
+            </a:endParaRPr>
+          </a:p>
+        </p:txBody>
+      </p:sp>
+      <p:sp>
+        <p:nvSpPr>
+          <p:cNvPr id="20" name="矩形 19"/>
+          <p:cNvSpPr/>
+          <p:nvPr/>
+        </p:nvSpPr>
+        <p:spPr>
+          <a:xfrm>
+            <a:off x="4281805" y="3044190"/>
+            <a:ext cx="1176020" cy="201295"/>
+          </a:xfrm>
+          <a:prstGeom prst="rect">
+            <a:avLst/>
+          </a:prstGeom>
+        </p:spPr>
+        <p:style>
+          <a:lnRef idx="2">
+            <a:schemeClr val="accent1">
+              <a:shade val="50000"/>
+            </a:schemeClr>
+          </a:lnRef>
+          <a:fillRef idx="1">
+            <a:schemeClr val="accent1"/>
+          </a:fillRef>
+          <a:effectRef idx="0">
+            <a:schemeClr val="accent1"/>
+          </a:effectRef>
+          <a:fontRef idx="minor">
+            <a:schemeClr val="lt1"/>
+          </a:fontRef>
+        </p:style>
+        <p:txBody>
+          <a:bodyPr rtlCol="0" anchor="ctr"/>
+          <a:p>
+            <a:pPr algn="ctr"/>
+            <a:r>
+              <a:rPr lang="en-US" altLang="zh-CN" sz="1000">
+                <a:solidFill>
+                  <a:schemeClr val="tx1"/>
+                </a:solidFill>
+              </a:rPr>
+              <a:t>...</a:t>
+            </a:r>
+            <a:endParaRPr lang="en-US" altLang="zh-CN" sz="1000">
+              <a:solidFill>
+                <a:schemeClr val="tx1"/>
+              </a:solidFill>
+            </a:endParaRPr>
+          </a:p>
+        </p:txBody>
+      </p:sp>
+      <p:sp>
+        <p:nvSpPr>
+          <p:cNvPr id="21" name="矩形 20"/>
+          <p:cNvSpPr/>
+          <p:nvPr/>
+        </p:nvSpPr>
+        <p:spPr>
+          <a:xfrm>
+            <a:off x="3881755" y="3237865"/>
+            <a:ext cx="403225" cy="200660"/>
+          </a:xfrm>
+          <a:prstGeom prst="rect">
+            <a:avLst/>
+          </a:prstGeom>
+        </p:spPr>
+        <p:style>
+          <a:lnRef idx="2">
+            <a:schemeClr val="accent1">
+              <a:shade val="50000"/>
+            </a:schemeClr>
+          </a:lnRef>
+          <a:fillRef idx="1">
+            <a:schemeClr val="accent1"/>
+          </a:fillRef>
+          <a:effectRef idx="0">
+            <a:schemeClr val="accent1"/>
+          </a:effectRef>
+          <a:fontRef idx="minor">
+            <a:schemeClr val="lt1"/>
+          </a:fontRef>
+        </p:style>
+        <p:txBody>
+          <a:bodyPr rtlCol="0" anchor="ctr"/>
+          <a:p>
+            <a:pPr algn="ctr"/>
+            <a:r>
+              <a:rPr lang="en-US" altLang="zh-CN" sz="1000">
+                <a:solidFill>
+                  <a:schemeClr val="tx1"/>
+                </a:solidFill>
+              </a:rPr>
+              <a:t>50</a:t>
+            </a:r>
+            <a:endParaRPr lang="en-US" altLang="zh-CN" sz="1000">
+              <a:solidFill>
+                <a:schemeClr val="tx1"/>
+              </a:solidFill>
+            </a:endParaRPr>
+          </a:p>
+        </p:txBody>
+      </p:sp>
+      <p:sp>
+        <p:nvSpPr>
+          <p:cNvPr id="22" name="矩形 21"/>
+          <p:cNvSpPr/>
+          <p:nvPr/>
+        </p:nvSpPr>
+        <p:spPr>
+          <a:xfrm>
+            <a:off x="4284980" y="3237865"/>
+            <a:ext cx="1176020" cy="201295"/>
+          </a:xfrm>
+          <a:prstGeom prst="rect">
+            <a:avLst/>
+          </a:prstGeom>
+        </p:spPr>
+        <p:style>
+          <a:lnRef idx="2">
+            <a:schemeClr val="accent1">
+              <a:shade val="50000"/>
+            </a:schemeClr>
+          </a:lnRef>
+          <a:fillRef idx="1">
+            <a:schemeClr val="accent1"/>
+          </a:fillRef>
+          <a:effectRef idx="0">
+            <a:schemeClr val="accent1"/>
+          </a:effectRef>
+          <a:fontRef idx="minor">
+            <a:schemeClr val="lt1"/>
+          </a:fontRef>
+        </p:style>
+        <p:txBody>
+          <a:bodyPr rtlCol="0" anchor="ctr"/>
+          <a:p>
+            <a:pPr algn="ctr"/>
+            <a:r>
+              <a:rPr lang="en-US" altLang="zh-CN" sz="1000">
+                <a:solidFill>
+                  <a:schemeClr val="tx1"/>
+                </a:solidFill>
+                <a:sym typeface="+mn-ea"/>
+              </a:rPr>
+              <a:t>JanessaTech50</a:t>
+            </a:r>
+            <a:endParaRPr lang="en-US" altLang="zh-CN" sz="1000">
+              <a:solidFill>
+                <a:schemeClr val="tx1"/>
+              </a:solidFill>
+            </a:endParaRPr>
+          </a:p>
+        </p:txBody>
+      </p:sp>
+      <p:sp>
+        <p:nvSpPr>
+          <p:cNvPr id="23" name="左大括号 22"/>
+          <p:cNvSpPr/>
+          <p:nvPr/>
+        </p:nvSpPr>
+        <p:spPr>
+          <a:xfrm>
+            <a:off x="3689985" y="1865630"/>
+            <a:ext cx="105410" cy="1552575"/>
+          </a:xfrm>
+          <a:prstGeom prst="leftBrace">
+            <a:avLst/>
+          </a:prstGeom>
+        </p:spPr>
+        <p:style>
+          <a:lnRef idx="1">
+            <a:schemeClr val="accent1"/>
+          </a:lnRef>
+          <a:fillRef idx="0">
+            <a:schemeClr val="accent1"/>
+          </a:fillRef>
+          <a:effectRef idx="0">
+            <a:schemeClr val="accent1"/>
+          </a:effectRef>
+          <a:fontRef idx="minor">
+            <a:schemeClr val="tx1"/>
+          </a:fontRef>
+        </p:style>
+        <p:txBody>
+          <a:bodyPr rtlCol="0" anchor="ctr"/>
+          <a:p>
+            <a:pPr algn="ctr"/>
+            <a:endParaRPr lang="zh-CN" altLang="en-US" sz="1000"/>
+          </a:p>
+        </p:txBody>
+      </p:sp>
+      <p:sp>
+        <p:nvSpPr>
+          <p:cNvPr id="24" name="文本框 23"/>
+          <p:cNvSpPr txBox="1"/>
+          <p:nvPr/>
+        </p:nvSpPr>
+        <p:spPr>
+          <a:xfrm>
+            <a:off x="2287905" y="2341880"/>
+            <a:ext cx="1497330" cy="398780"/>
+          </a:xfrm>
+          <a:prstGeom prst="rect">
+            <a:avLst/>
+          </a:prstGeom>
+          <a:noFill/>
+        </p:spPr>
+        <p:txBody>
+          <a:bodyPr wrap="none" rtlCol="0">
+            <a:spAutoFit/>
+          </a:bodyPr>
+          <a:p>
+            <a:pPr algn="l"/>
+            <a:r>
+              <a:rPr lang="en-US" altLang="zh-CN" sz="1000"/>
+              <a:t>Copy </a:t>
+            </a:r>
+            <a:r>
+              <a:rPr lang="en-US" altLang="zh-CN" sz="1000">
+                <a:sym typeface="+mn-ea"/>
+              </a:rPr>
+              <a:t>1~ (40+10) </a:t>
+            </a:r>
+            <a:r>
+              <a:rPr lang="en-US" altLang="zh-CN" sz="1000"/>
+              <a:t>from  </a:t>
+            </a:r>
+            <a:endParaRPr lang="en-US" altLang="zh-CN" sz="1000"/>
+          </a:p>
+          <a:p>
+            <a:pPr algn="l"/>
+            <a:r>
+              <a:rPr lang="en-US" altLang="zh-CN" sz="1000" b="1"/>
+              <a:t>storage engines</a:t>
+            </a:r>
+            <a:endParaRPr lang="en-US" altLang="zh-CN" sz="1000" b="1"/>
+          </a:p>
+        </p:txBody>
+      </p:sp>
+      <p:sp>
+        <p:nvSpPr>
+          <p:cNvPr id="57" name="右箭头 56"/>
+          <p:cNvSpPr/>
+          <p:nvPr/>
+        </p:nvSpPr>
+        <p:spPr>
+          <a:xfrm>
+            <a:off x="6163310" y="2522220"/>
+            <a:ext cx="795655" cy="240030"/>
+          </a:xfrm>
+          <a:prstGeom prst="rightArrow">
+            <a:avLst/>
+          </a:prstGeom>
+        </p:spPr>
+        <p:style>
+          <a:lnRef idx="2">
+            <a:schemeClr val="accent1">
+              <a:shade val="50000"/>
+            </a:schemeClr>
+          </a:lnRef>
+          <a:fillRef idx="1">
+            <a:schemeClr val="accent1"/>
+          </a:fillRef>
+          <a:effectRef idx="0">
+            <a:schemeClr val="accent1"/>
+          </a:effectRef>
+          <a:fontRef idx="minor">
+            <a:schemeClr val="lt1"/>
+          </a:fontRef>
+        </p:style>
+        <p:txBody>
+          <a:bodyPr rtlCol="0" anchor="ctr"/>
+          <a:p>
+            <a:pPr algn="ctr"/>
+            <a:endParaRPr lang="zh-CN" altLang="en-US"/>
+          </a:p>
+        </p:txBody>
+      </p:sp>
+      <p:sp>
+        <p:nvSpPr>
+          <p:cNvPr id="58" name="文本框 57"/>
+          <p:cNvSpPr txBox="1"/>
+          <p:nvPr/>
+        </p:nvSpPr>
+        <p:spPr>
+          <a:xfrm>
+            <a:off x="5983605" y="2239645"/>
+            <a:ext cx="1560195" cy="245110"/>
+          </a:xfrm>
+          <a:prstGeom prst="rect">
+            <a:avLst/>
+          </a:prstGeom>
+          <a:noFill/>
+        </p:spPr>
+        <p:txBody>
+          <a:bodyPr wrap="none" rtlCol="0">
+            <a:spAutoFit/>
+          </a:bodyPr>
+          <a:p>
+            <a:r>
+              <a:rPr lang="en-US" altLang="zh-CN" sz="1000" b="1"/>
+              <a:t>Discard </a:t>
+            </a:r>
+            <a:r>
+              <a:rPr lang="en-US" altLang="zh-CN" sz="1000"/>
+              <a:t>the first 40 data</a:t>
+            </a:r>
+            <a:endParaRPr lang="en-US" altLang="zh-CN" sz="1000"/>
+          </a:p>
+        </p:txBody>
+      </p:sp>
+      <p:sp>
+        <p:nvSpPr>
+          <p:cNvPr id="59" name="矩形 58"/>
+          <p:cNvSpPr/>
+          <p:nvPr/>
+        </p:nvSpPr>
+        <p:spPr>
+          <a:xfrm>
+            <a:off x="5454650" y="1844675"/>
+            <a:ext cx="403860" cy="201295"/>
+          </a:xfrm>
+          <a:prstGeom prst="rect">
+            <a:avLst/>
+          </a:prstGeom>
+        </p:spPr>
+        <p:style>
+          <a:lnRef idx="2">
+            <a:schemeClr val="accent1">
+              <a:shade val="50000"/>
+            </a:schemeClr>
+          </a:lnRef>
+          <a:fillRef idx="1">
+            <a:schemeClr val="accent1"/>
+          </a:fillRef>
+          <a:effectRef idx="0">
+            <a:schemeClr val="accent1"/>
+          </a:effectRef>
+          <a:fontRef idx="minor">
+            <a:schemeClr val="lt1"/>
+          </a:fontRef>
+        </p:style>
+        <p:txBody>
+          <a:bodyPr rtlCol="0" anchor="ctr"/>
+          <a:p>
+            <a:pPr algn="ctr"/>
+            <a:r>
+              <a:rPr lang="en-US" altLang="zh-CN" sz="1000">
+                <a:solidFill>
+                  <a:schemeClr val="tx1"/>
+                </a:solidFill>
+                <a:sym typeface="+mn-ea"/>
+              </a:rPr>
+              <a:t>xx</a:t>
+            </a:r>
+            <a:endParaRPr lang="en-US" altLang="zh-CN" sz="1000">
+              <a:solidFill>
+                <a:schemeClr val="tx1"/>
+              </a:solidFill>
+              <a:sym typeface="+mn-ea"/>
+            </a:endParaRPr>
+          </a:p>
+        </p:txBody>
+      </p:sp>
+      <p:sp>
+        <p:nvSpPr>
+          <p:cNvPr id="60" name="矩形 59"/>
+          <p:cNvSpPr/>
+          <p:nvPr/>
+        </p:nvSpPr>
+        <p:spPr>
+          <a:xfrm>
+            <a:off x="5461000" y="2048510"/>
+            <a:ext cx="403860" cy="191135"/>
+          </a:xfrm>
+          <a:prstGeom prst="rect">
+            <a:avLst/>
+          </a:prstGeom>
+        </p:spPr>
+        <p:style>
+          <a:lnRef idx="2">
+            <a:schemeClr val="accent1">
+              <a:shade val="50000"/>
+            </a:schemeClr>
+          </a:lnRef>
+          <a:fillRef idx="1">
+            <a:schemeClr val="accent1"/>
+          </a:fillRef>
+          <a:effectRef idx="0">
+            <a:schemeClr val="accent1"/>
+          </a:effectRef>
+          <a:fontRef idx="minor">
+            <a:schemeClr val="lt1"/>
+          </a:fontRef>
+        </p:style>
+        <p:txBody>
+          <a:bodyPr rtlCol="0" anchor="ctr"/>
+          <a:p>
+            <a:pPr algn="ctr"/>
+            <a:r>
+              <a:rPr lang="en-US" altLang="zh-CN" sz="1000">
+                <a:solidFill>
+                  <a:schemeClr val="tx1"/>
+                </a:solidFill>
+                <a:sym typeface="+mn-ea"/>
+              </a:rPr>
+              <a:t>xx</a:t>
+            </a:r>
+            <a:endParaRPr lang="en-US" altLang="zh-CN" sz="1000">
+              <a:solidFill>
+                <a:schemeClr val="tx1"/>
+              </a:solidFill>
+              <a:sym typeface="+mn-ea"/>
+            </a:endParaRPr>
+          </a:p>
+        </p:txBody>
+      </p:sp>
+      <p:sp>
+        <p:nvSpPr>
+          <p:cNvPr id="61" name="矩形 60"/>
+          <p:cNvSpPr/>
+          <p:nvPr/>
+        </p:nvSpPr>
+        <p:spPr>
+          <a:xfrm>
+            <a:off x="5454650" y="2232660"/>
+            <a:ext cx="403860" cy="215265"/>
+          </a:xfrm>
+          <a:prstGeom prst="rect">
+            <a:avLst/>
+          </a:prstGeom>
+        </p:spPr>
+        <p:style>
+          <a:lnRef idx="2">
+            <a:schemeClr val="accent1">
+              <a:shade val="50000"/>
+            </a:schemeClr>
+          </a:lnRef>
+          <a:fillRef idx="1">
+            <a:schemeClr val="accent1"/>
+          </a:fillRef>
+          <a:effectRef idx="0">
+            <a:schemeClr val="accent1"/>
+          </a:effectRef>
+          <a:fontRef idx="minor">
+            <a:schemeClr val="lt1"/>
+          </a:fontRef>
+        </p:style>
+        <p:txBody>
+          <a:bodyPr rtlCol="0" anchor="ctr"/>
+          <a:p>
+            <a:pPr algn="ctr"/>
+            <a:r>
+              <a:rPr lang="en-US" altLang="zh-CN" sz="1000">
+                <a:solidFill>
+                  <a:schemeClr val="tx1"/>
+                </a:solidFill>
+                <a:sym typeface="+mn-ea"/>
+              </a:rPr>
+              <a:t>xx</a:t>
+            </a:r>
+            <a:endParaRPr lang="en-US" altLang="zh-CN" sz="1000">
+              <a:solidFill>
+                <a:schemeClr val="tx1"/>
+              </a:solidFill>
+              <a:sym typeface="+mn-ea"/>
+            </a:endParaRPr>
+          </a:p>
+        </p:txBody>
+      </p:sp>
+      <p:sp>
+        <p:nvSpPr>
+          <p:cNvPr id="62" name="矩形 61"/>
+          <p:cNvSpPr/>
+          <p:nvPr/>
+        </p:nvSpPr>
+        <p:spPr>
+          <a:xfrm>
+            <a:off x="5454650" y="2433955"/>
+            <a:ext cx="403860" cy="215265"/>
+          </a:xfrm>
+          <a:prstGeom prst="rect">
+            <a:avLst/>
+          </a:prstGeom>
+        </p:spPr>
+        <p:style>
+          <a:lnRef idx="2">
+            <a:schemeClr val="accent1">
+              <a:shade val="50000"/>
+            </a:schemeClr>
+          </a:lnRef>
+          <a:fillRef idx="1">
+            <a:schemeClr val="accent1"/>
+          </a:fillRef>
+          <a:effectRef idx="0">
+            <a:schemeClr val="accent1"/>
+          </a:effectRef>
+          <a:fontRef idx="minor">
+            <a:schemeClr val="lt1"/>
+          </a:fontRef>
+        </p:style>
+        <p:txBody>
+          <a:bodyPr rtlCol="0" anchor="ctr"/>
+          <a:p>
+            <a:pPr algn="ctr"/>
+            <a:r>
+              <a:rPr lang="en-US" altLang="zh-CN" sz="1000">
+                <a:solidFill>
+                  <a:schemeClr val="tx1"/>
+                </a:solidFill>
+                <a:sym typeface="+mn-ea"/>
+              </a:rPr>
+              <a:t>xx</a:t>
+            </a:r>
+            <a:endParaRPr lang="en-US" altLang="zh-CN" sz="1000">
+              <a:solidFill>
+                <a:schemeClr val="tx1"/>
+              </a:solidFill>
+              <a:sym typeface="+mn-ea"/>
+            </a:endParaRPr>
+          </a:p>
+        </p:txBody>
+      </p:sp>
+      <p:sp>
+        <p:nvSpPr>
+          <p:cNvPr id="63" name="矩形 62"/>
+          <p:cNvSpPr/>
+          <p:nvPr/>
+        </p:nvSpPr>
+        <p:spPr>
+          <a:xfrm>
+            <a:off x="5454650" y="2634615"/>
+            <a:ext cx="403860" cy="215265"/>
+          </a:xfrm>
+          <a:prstGeom prst="rect">
+            <a:avLst/>
+          </a:prstGeom>
+        </p:spPr>
+        <p:style>
+          <a:lnRef idx="2">
+            <a:schemeClr val="accent1">
+              <a:shade val="50000"/>
+            </a:schemeClr>
+          </a:lnRef>
+          <a:fillRef idx="1">
+            <a:schemeClr val="accent1"/>
+          </a:fillRef>
+          <a:effectRef idx="0">
+            <a:schemeClr val="accent1"/>
+          </a:effectRef>
+          <a:fontRef idx="minor">
+            <a:schemeClr val="lt1"/>
+          </a:fontRef>
+        </p:style>
+        <p:txBody>
+          <a:bodyPr rtlCol="0" anchor="ctr"/>
+          <a:p>
+            <a:pPr algn="ctr"/>
+            <a:r>
+              <a:rPr lang="en-US" altLang="zh-CN" sz="1000">
+                <a:solidFill>
+                  <a:schemeClr val="tx1"/>
+                </a:solidFill>
+                <a:sym typeface="+mn-ea"/>
+              </a:rPr>
+              <a:t>xx</a:t>
+            </a:r>
+            <a:endParaRPr lang="en-US" altLang="zh-CN" sz="1000">
+              <a:solidFill>
+                <a:schemeClr val="tx1"/>
+              </a:solidFill>
+              <a:sym typeface="+mn-ea"/>
+            </a:endParaRPr>
+          </a:p>
+        </p:txBody>
+      </p:sp>
+      <p:sp>
+        <p:nvSpPr>
+          <p:cNvPr id="64" name="矩形 63"/>
+          <p:cNvSpPr/>
+          <p:nvPr/>
+        </p:nvSpPr>
+        <p:spPr>
+          <a:xfrm>
+            <a:off x="5457825" y="2843530"/>
+            <a:ext cx="403860" cy="194310"/>
+          </a:xfrm>
+          <a:prstGeom prst="rect">
+            <a:avLst/>
+          </a:prstGeom>
+        </p:spPr>
+        <p:style>
+          <a:lnRef idx="2">
+            <a:schemeClr val="accent1">
+              <a:shade val="50000"/>
+            </a:schemeClr>
+          </a:lnRef>
+          <a:fillRef idx="1">
+            <a:schemeClr val="accent1"/>
+          </a:fillRef>
+          <a:effectRef idx="0">
+            <a:schemeClr val="accent1"/>
+          </a:effectRef>
+          <a:fontRef idx="minor">
+            <a:schemeClr val="lt1"/>
+          </a:fontRef>
+        </p:style>
+        <p:txBody>
+          <a:bodyPr rtlCol="0" anchor="ctr"/>
+          <a:p>
+            <a:pPr algn="ctr"/>
+            <a:r>
+              <a:rPr lang="en-US" altLang="zh-CN" sz="1000">
+                <a:solidFill>
+                  <a:schemeClr val="tx1"/>
+                </a:solidFill>
+                <a:sym typeface="+mn-ea"/>
+              </a:rPr>
+              <a:t>xx</a:t>
+            </a:r>
+            <a:endParaRPr lang="en-US" altLang="zh-CN" sz="1000">
+              <a:solidFill>
+                <a:schemeClr val="tx1"/>
+              </a:solidFill>
+              <a:sym typeface="+mn-ea"/>
+            </a:endParaRPr>
+          </a:p>
+        </p:txBody>
+      </p:sp>
+      <p:sp>
+        <p:nvSpPr>
+          <p:cNvPr id="65" name="矩形 64"/>
+          <p:cNvSpPr/>
+          <p:nvPr/>
+        </p:nvSpPr>
+        <p:spPr>
+          <a:xfrm>
+            <a:off x="5457825" y="3037205"/>
+            <a:ext cx="403860" cy="203835"/>
+          </a:xfrm>
+          <a:prstGeom prst="rect">
+            <a:avLst/>
+          </a:prstGeom>
+        </p:spPr>
+        <p:style>
+          <a:lnRef idx="2">
+            <a:schemeClr val="accent1">
+              <a:shade val="50000"/>
+            </a:schemeClr>
+          </a:lnRef>
+          <a:fillRef idx="1">
+            <a:schemeClr val="accent1"/>
+          </a:fillRef>
+          <a:effectRef idx="0">
+            <a:schemeClr val="accent1"/>
+          </a:effectRef>
+          <a:fontRef idx="minor">
+            <a:schemeClr val="lt1"/>
+          </a:fontRef>
+        </p:style>
+        <p:txBody>
+          <a:bodyPr rtlCol="0" anchor="ctr"/>
+          <a:p>
+            <a:pPr algn="ctr"/>
+            <a:r>
+              <a:rPr lang="en-US" altLang="zh-CN" sz="1000">
+                <a:solidFill>
+                  <a:schemeClr val="tx1"/>
+                </a:solidFill>
+                <a:sym typeface="+mn-ea"/>
+              </a:rPr>
+              <a:t>xx</a:t>
+            </a:r>
+            <a:endParaRPr lang="en-US" altLang="zh-CN" sz="1000">
+              <a:solidFill>
+                <a:schemeClr val="tx1"/>
+              </a:solidFill>
+              <a:sym typeface="+mn-ea"/>
+            </a:endParaRPr>
+          </a:p>
+        </p:txBody>
+      </p:sp>
+      <p:sp>
+        <p:nvSpPr>
+          <p:cNvPr id="66" name="矩形 65"/>
+          <p:cNvSpPr/>
+          <p:nvPr/>
+        </p:nvSpPr>
+        <p:spPr>
+          <a:xfrm>
+            <a:off x="5454650" y="3242310"/>
+            <a:ext cx="403860" cy="203835"/>
+          </a:xfrm>
+          <a:prstGeom prst="rect">
+            <a:avLst/>
+          </a:prstGeom>
+        </p:spPr>
+        <p:style>
+          <a:lnRef idx="2">
+            <a:schemeClr val="accent1">
+              <a:shade val="50000"/>
+            </a:schemeClr>
+          </a:lnRef>
+          <a:fillRef idx="1">
+            <a:schemeClr val="accent1"/>
+          </a:fillRef>
+          <a:effectRef idx="0">
+            <a:schemeClr val="accent1"/>
+          </a:effectRef>
+          <a:fontRef idx="minor">
+            <a:schemeClr val="lt1"/>
+          </a:fontRef>
+        </p:style>
+        <p:txBody>
+          <a:bodyPr rtlCol="0" anchor="ctr"/>
+          <a:p>
+            <a:pPr algn="ctr"/>
+            <a:r>
+              <a:rPr lang="en-US" altLang="zh-CN" sz="1000">
+                <a:solidFill>
+                  <a:schemeClr val="tx1"/>
+                </a:solidFill>
+                <a:sym typeface="+mn-ea"/>
+              </a:rPr>
+              <a:t>xx</a:t>
+            </a:r>
+            <a:endParaRPr lang="en-US" altLang="zh-CN" sz="1000">
+              <a:solidFill>
+                <a:schemeClr val="tx1"/>
+              </a:solidFill>
+              <a:sym typeface="+mn-ea"/>
+            </a:endParaRPr>
+          </a:p>
+        </p:txBody>
+      </p:sp>
+      <p:grpSp>
+        <p:nvGrpSpPr>
+          <p:cNvPr id="79" name="组合 78"/>
+          <p:cNvGrpSpPr/>
+          <p:nvPr/>
+        </p:nvGrpSpPr>
+        <p:grpSpPr>
+          <a:xfrm>
+            <a:off x="7772400" y="2634615"/>
+            <a:ext cx="1983105" cy="815340"/>
+            <a:chOff x="12240" y="4149"/>
+            <a:chExt cx="3123" cy="1284"/>
+          </a:xfrm>
+        </p:grpSpPr>
+        <p:sp>
+          <p:nvSpPr>
+            <p:cNvPr id="67" name="矩形 66"/>
+            <p:cNvSpPr/>
+            <p:nvPr/>
+          </p:nvSpPr>
+          <p:spPr>
+            <a:xfrm>
+              <a:off x="12240" y="4149"/>
+              <a:ext cx="635" cy="316"/>
+            </a:xfrm>
+            <a:prstGeom prst="rect">
+              <a:avLst/>
+            </a:prstGeom>
+          </p:spPr>
+          <p:style>
+            <a:lnRef idx="2">
+              <a:schemeClr val="accent1">
+                <a:shade val="50000"/>
+              </a:schemeClr>
+            </a:lnRef>
+            <a:fillRef idx="1">
+              <a:schemeClr val="accent1"/>
+            </a:fillRef>
+            <a:effectRef idx="0">
+              <a:schemeClr val="accent1"/>
+            </a:effectRef>
+            <a:fontRef idx="minor">
+              <a:schemeClr val="lt1"/>
+            </a:fontRef>
+          </p:style>
+          <p:txBody>
+            <a:bodyPr rtlCol="0" anchor="ctr"/>
+            <a:p>
+              <a:pPr algn="ctr"/>
+              <a:r>
+                <a:rPr lang="en-US" altLang="zh-CN" sz="1000">
+                  <a:solidFill>
+                    <a:schemeClr val="tx1"/>
+                  </a:solidFill>
+                </a:rPr>
+                <a:t>41</a:t>
+              </a:r>
+              <a:endParaRPr lang="en-US" altLang="zh-CN" sz="1000">
+                <a:solidFill>
+                  <a:schemeClr val="tx1"/>
+                </a:solidFill>
+              </a:endParaRPr>
+            </a:p>
+          </p:txBody>
+        </p:sp>
+        <p:sp>
+          <p:nvSpPr>
+            <p:cNvPr id="68" name="矩形 67"/>
+            <p:cNvSpPr/>
+            <p:nvPr/>
+          </p:nvSpPr>
+          <p:spPr>
+            <a:xfrm>
+              <a:off x="12875" y="4149"/>
+              <a:ext cx="1852" cy="317"/>
+            </a:xfrm>
+            <a:prstGeom prst="rect">
+              <a:avLst/>
+            </a:prstGeom>
+          </p:spPr>
+          <p:style>
+            <a:lnRef idx="2">
+              <a:schemeClr val="accent1">
+                <a:shade val="50000"/>
+              </a:schemeClr>
+            </a:lnRef>
+            <a:fillRef idx="1">
+              <a:schemeClr val="accent1"/>
+            </a:fillRef>
+            <a:effectRef idx="0">
+              <a:schemeClr val="accent1"/>
+            </a:effectRef>
+            <a:fontRef idx="minor">
+              <a:schemeClr val="lt1"/>
+            </a:fontRef>
+          </p:style>
+          <p:txBody>
+            <a:bodyPr rtlCol="0" anchor="ctr"/>
+            <a:p>
+              <a:pPr algn="ctr"/>
+              <a:r>
+                <a:rPr lang="en-US" altLang="zh-CN" sz="1000">
+                  <a:solidFill>
+                    <a:schemeClr val="tx1"/>
+                  </a:solidFill>
+                  <a:sym typeface="+mn-ea"/>
+                </a:rPr>
+                <a:t>JanessaTech41</a:t>
+              </a:r>
+              <a:endParaRPr lang="en-US" altLang="zh-CN" sz="1000">
+                <a:solidFill>
+                  <a:schemeClr val="tx1"/>
+                </a:solidFill>
+                <a:sym typeface="+mn-ea"/>
+              </a:endParaRPr>
+            </a:p>
+          </p:txBody>
+        </p:sp>
+        <p:sp>
+          <p:nvSpPr>
+            <p:cNvPr id="69" name="矩形 68"/>
+            <p:cNvSpPr/>
+            <p:nvPr/>
+          </p:nvSpPr>
+          <p:spPr>
+            <a:xfrm>
+              <a:off x="12240" y="4469"/>
+              <a:ext cx="630" cy="315"/>
+            </a:xfrm>
+            <a:prstGeom prst="rect">
+              <a:avLst/>
+            </a:prstGeom>
+          </p:spPr>
+          <p:style>
+            <a:lnRef idx="2">
+              <a:schemeClr val="accent1">
+                <a:shade val="50000"/>
+              </a:schemeClr>
+            </a:lnRef>
+            <a:fillRef idx="1">
+              <a:schemeClr val="accent1"/>
+            </a:fillRef>
+            <a:effectRef idx="0">
+              <a:schemeClr val="accent1"/>
+            </a:effectRef>
+            <a:fontRef idx="minor">
+              <a:schemeClr val="lt1"/>
+            </a:fontRef>
+          </p:style>
+          <p:txBody>
+            <a:bodyPr rtlCol="0" anchor="ctr"/>
+            <a:p>
+              <a:pPr algn="ctr"/>
+              <a:r>
+                <a:rPr lang="en-US" altLang="zh-CN" sz="1000">
+                  <a:solidFill>
+                    <a:schemeClr val="tx1"/>
+                  </a:solidFill>
+                </a:rPr>
+                <a:t>42</a:t>
+              </a:r>
+              <a:endParaRPr lang="en-US" altLang="zh-CN" sz="1000">
+                <a:solidFill>
+                  <a:schemeClr val="tx1"/>
+                </a:solidFill>
+              </a:endParaRPr>
+            </a:p>
+          </p:txBody>
+        </p:sp>
+        <p:sp>
+          <p:nvSpPr>
+            <p:cNvPr id="70" name="矩形 69"/>
+            <p:cNvSpPr/>
+            <p:nvPr/>
+          </p:nvSpPr>
+          <p:spPr>
+            <a:xfrm>
+              <a:off x="12880" y="4469"/>
+              <a:ext cx="1852" cy="317"/>
+            </a:xfrm>
+            <a:prstGeom prst="rect">
+              <a:avLst/>
+            </a:prstGeom>
+          </p:spPr>
+          <p:style>
+            <a:lnRef idx="2">
+              <a:schemeClr val="accent1">
+                <a:shade val="50000"/>
+              </a:schemeClr>
+            </a:lnRef>
+            <a:fillRef idx="1">
+              <a:schemeClr val="accent1"/>
+            </a:fillRef>
+            <a:effectRef idx="0">
+              <a:schemeClr val="accent1"/>
+            </a:effectRef>
+            <a:fontRef idx="minor">
+              <a:schemeClr val="lt1"/>
+            </a:fontRef>
+          </p:style>
+          <p:txBody>
+            <a:bodyPr rtlCol="0" anchor="ctr"/>
+            <a:p>
+              <a:pPr algn="ctr"/>
+              <a:r>
+                <a:rPr lang="en-US" altLang="zh-CN" sz="1000">
+                  <a:solidFill>
+                    <a:schemeClr val="tx1"/>
+                  </a:solidFill>
+                  <a:sym typeface="+mn-ea"/>
+                </a:rPr>
+                <a:t>JanessaTech42</a:t>
+              </a:r>
+              <a:endParaRPr lang="en-US" altLang="zh-CN" sz="1000">
+                <a:solidFill>
+                  <a:schemeClr val="tx1"/>
+                </a:solidFill>
+              </a:endParaRPr>
+            </a:p>
+          </p:txBody>
+        </p:sp>
+        <p:sp>
+          <p:nvSpPr>
+            <p:cNvPr id="71" name="矩形 70"/>
+            <p:cNvSpPr/>
+            <p:nvPr/>
+          </p:nvSpPr>
+          <p:spPr>
+            <a:xfrm>
+              <a:off x="12240" y="4794"/>
+              <a:ext cx="635" cy="316"/>
+            </a:xfrm>
+            <a:prstGeom prst="rect">
+              <a:avLst/>
+            </a:prstGeom>
+          </p:spPr>
+          <p:style>
+            <a:lnRef idx="2">
+              <a:schemeClr val="accent1">
+                <a:shade val="50000"/>
+              </a:schemeClr>
+            </a:lnRef>
+            <a:fillRef idx="1">
+              <a:schemeClr val="accent1"/>
+            </a:fillRef>
+            <a:effectRef idx="0">
+              <a:schemeClr val="accent1"/>
+            </a:effectRef>
+            <a:fontRef idx="minor">
+              <a:schemeClr val="lt1"/>
+            </a:fontRef>
+          </p:style>
+          <p:txBody>
+            <a:bodyPr rtlCol="0" anchor="ctr"/>
+            <a:p>
+              <a:pPr algn="ctr"/>
+              <a:r>
+                <a:rPr lang="en-US" altLang="zh-CN" sz="1000">
+                  <a:solidFill>
+                    <a:schemeClr val="tx1"/>
+                  </a:solidFill>
+                </a:rPr>
+                <a:t>...</a:t>
+              </a:r>
+              <a:endParaRPr lang="en-US" altLang="zh-CN" sz="1000">
+                <a:solidFill>
+                  <a:schemeClr val="tx1"/>
+                </a:solidFill>
+              </a:endParaRPr>
+            </a:p>
+          </p:txBody>
+        </p:sp>
+        <p:sp>
+          <p:nvSpPr>
+            <p:cNvPr id="72" name="矩形 71"/>
+            <p:cNvSpPr/>
+            <p:nvPr/>
+          </p:nvSpPr>
+          <p:spPr>
+            <a:xfrm>
+              <a:off x="12875" y="4794"/>
+              <a:ext cx="1852" cy="317"/>
+            </a:xfrm>
+            <a:prstGeom prst="rect">
+              <a:avLst/>
+            </a:prstGeom>
+          </p:spPr>
+          <p:style>
+            <a:lnRef idx="2">
+              <a:schemeClr val="accent1">
+                <a:shade val="50000"/>
+              </a:schemeClr>
+            </a:lnRef>
+            <a:fillRef idx="1">
+              <a:schemeClr val="accent1"/>
+            </a:fillRef>
+            <a:effectRef idx="0">
+              <a:schemeClr val="accent1"/>
+            </a:effectRef>
+            <a:fontRef idx="minor">
+              <a:schemeClr val="lt1"/>
+            </a:fontRef>
+          </p:style>
+          <p:txBody>
+            <a:bodyPr rtlCol="0" anchor="ctr"/>
+            <a:p>
+              <a:pPr algn="ctr"/>
+              <a:r>
+                <a:rPr lang="en-US" altLang="zh-CN" sz="1000">
+                  <a:solidFill>
+                    <a:schemeClr val="tx1"/>
+                  </a:solidFill>
+                </a:rPr>
+                <a:t>...</a:t>
+              </a:r>
+              <a:endParaRPr lang="en-US" altLang="zh-CN" sz="1000">
+                <a:solidFill>
+                  <a:schemeClr val="tx1"/>
+                </a:solidFill>
+              </a:endParaRPr>
+            </a:p>
+          </p:txBody>
+        </p:sp>
+        <p:sp>
+          <p:nvSpPr>
+            <p:cNvPr id="73" name="矩形 72"/>
+            <p:cNvSpPr/>
+            <p:nvPr/>
+          </p:nvSpPr>
+          <p:spPr>
+            <a:xfrm>
+              <a:off x="12240" y="5099"/>
+              <a:ext cx="640" cy="335"/>
+            </a:xfrm>
+            <a:prstGeom prst="rect">
+              <a:avLst/>
+            </a:prstGeom>
+          </p:spPr>
+          <p:style>
+            <a:lnRef idx="2">
+              <a:schemeClr val="accent1">
+                <a:shade val="50000"/>
+              </a:schemeClr>
+            </a:lnRef>
+            <a:fillRef idx="1">
+              <a:schemeClr val="accent1"/>
+            </a:fillRef>
+            <a:effectRef idx="0">
+              <a:schemeClr val="accent1"/>
+            </a:effectRef>
+            <a:fontRef idx="minor">
+              <a:schemeClr val="lt1"/>
+            </a:fontRef>
+          </p:style>
+          <p:txBody>
+            <a:bodyPr rtlCol="0" anchor="ctr"/>
+            <a:p>
+              <a:pPr algn="ctr"/>
+              <a:r>
+                <a:rPr lang="en-US" altLang="zh-CN" sz="1000">
+                  <a:solidFill>
+                    <a:schemeClr val="tx1"/>
+                  </a:solidFill>
+                </a:rPr>
+                <a:t>50</a:t>
+              </a:r>
+              <a:endParaRPr lang="en-US" altLang="zh-CN" sz="1000">
+                <a:solidFill>
+                  <a:schemeClr val="tx1"/>
+                </a:solidFill>
+              </a:endParaRPr>
+            </a:p>
+          </p:txBody>
+        </p:sp>
+        <p:sp>
+          <p:nvSpPr>
+            <p:cNvPr id="74" name="矩形 73"/>
+            <p:cNvSpPr/>
+            <p:nvPr/>
+          </p:nvSpPr>
+          <p:spPr>
+            <a:xfrm>
+              <a:off x="12880" y="5099"/>
+              <a:ext cx="1852" cy="335"/>
+            </a:xfrm>
+            <a:prstGeom prst="rect">
+              <a:avLst/>
+            </a:prstGeom>
+          </p:spPr>
+          <p:style>
+            <a:lnRef idx="2">
+              <a:schemeClr val="accent1">
+                <a:shade val="50000"/>
+              </a:schemeClr>
+            </a:lnRef>
+            <a:fillRef idx="1">
+              <a:schemeClr val="accent1"/>
+            </a:fillRef>
+            <a:effectRef idx="0">
+              <a:schemeClr val="accent1"/>
+            </a:effectRef>
+            <a:fontRef idx="minor">
+              <a:schemeClr val="lt1"/>
+            </a:fontRef>
+          </p:style>
+          <p:txBody>
+            <a:bodyPr rtlCol="0" anchor="ctr"/>
+            <a:p>
+              <a:pPr algn="ctr"/>
+              <a:r>
+                <a:rPr lang="en-US" altLang="zh-CN" sz="1000">
+                  <a:solidFill>
+                    <a:schemeClr val="tx1"/>
+                  </a:solidFill>
+                  <a:sym typeface="+mn-ea"/>
+                </a:rPr>
+                <a:t>JanessaTech50</a:t>
+              </a:r>
+              <a:endParaRPr lang="en-US" altLang="zh-CN" sz="1000">
+                <a:solidFill>
+                  <a:schemeClr val="tx1"/>
+                </a:solidFill>
+              </a:endParaRPr>
+            </a:p>
+          </p:txBody>
+        </p:sp>
+        <p:sp>
+          <p:nvSpPr>
+            <p:cNvPr id="75" name="矩形 74"/>
+            <p:cNvSpPr/>
+            <p:nvPr/>
+          </p:nvSpPr>
+          <p:spPr>
+            <a:xfrm>
+              <a:off x="14722" y="4149"/>
+              <a:ext cx="636" cy="339"/>
+            </a:xfrm>
+            <a:prstGeom prst="rect">
+              <a:avLst/>
+            </a:prstGeom>
+          </p:spPr>
+          <p:style>
+            <a:lnRef idx="2">
+              <a:schemeClr val="accent1">
+                <a:shade val="50000"/>
+              </a:schemeClr>
+            </a:lnRef>
+            <a:fillRef idx="1">
+              <a:schemeClr val="accent1"/>
+            </a:fillRef>
+            <a:effectRef idx="0">
+              <a:schemeClr val="accent1"/>
+            </a:effectRef>
+            <a:fontRef idx="minor">
+              <a:schemeClr val="lt1"/>
+            </a:fontRef>
+          </p:style>
+          <p:txBody>
+            <a:bodyPr rtlCol="0" anchor="ctr"/>
+            <a:p>
+              <a:pPr algn="ctr"/>
+              <a:r>
+                <a:rPr lang="en-US" altLang="zh-CN" sz="1000">
+                  <a:solidFill>
+                    <a:schemeClr val="tx1"/>
+                  </a:solidFill>
+                  <a:sym typeface="+mn-ea"/>
+                </a:rPr>
+                <a:t>xx</a:t>
+              </a:r>
+              <a:endParaRPr lang="en-US" altLang="zh-CN" sz="1000">
+                <a:solidFill>
+                  <a:schemeClr val="tx1"/>
+                </a:solidFill>
+                <a:sym typeface="+mn-ea"/>
+              </a:endParaRPr>
+            </a:p>
+          </p:txBody>
+        </p:sp>
+        <p:sp>
+          <p:nvSpPr>
+            <p:cNvPr id="76" name="矩形 75"/>
+            <p:cNvSpPr/>
+            <p:nvPr/>
+          </p:nvSpPr>
+          <p:spPr>
+            <a:xfrm>
+              <a:off x="14727" y="4478"/>
+              <a:ext cx="636" cy="306"/>
+            </a:xfrm>
+            <a:prstGeom prst="rect">
+              <a:avLst/>
+            </a:prstGeom>
+          </p:spPr>
+          <p:style>
+            <a:lnRef idx="2">
+              <a:schemeClr val="accent1">
+                <a:shade val="50000"/>
+              </a:schemeClr>
+            </a:lnRef>
+            <a:fillRef idx="1">
+              <a:schemeClr val="accent1"/>
+            </a:fillRef>
+            <a:effectRef idx="0">
+              <a:schemeClr val="accent1"/>
+            </a:effectRef>
+            <a:fontRef idx="minor">
+              <a:schemeClr val="lt1"/>
+            </a:fontRef>
+          </p:style>
+          <p:txBody>
+            <a:bodyPr rtlCol="0" anchor="ctr"/>
+            <a:p>
+              <a:pPr algn="ctr"/>
+              <a:r>
+                <a:rPr lang="en-US" altLang="zh-CN" sz="1000">
+                  <a:solidFill>
+                    <a:schemeClr val="tx1"/>
+                  </a:solidFill>
+                  <a:sym typeface="+mn-ea"/>
+                </a:rPr>
+                <a:t>xx</a:t>
+              </a:r>
+              <a:endParaRPr lang="en-US" altLang="zh-CN" sz="1000">
+                <a:solidFill>
+                  <a:schemeClr val="tx1"/>
+                </a:solidFill>
+                <a:sym typeface="+mn-ea"/>
+              </a:endParaRPr>
+            </a:p>
+          </p:txBody>
+        </p:sp>
+        <p:sp>
+          <p:nvSpPr>
+            <p:cNvPr id="77" name="矩形 76"/>
+            <p:cNvSpPr/>
+            <p:nvPr/>
+          </p:nvSpPr>
+          <p:spPr>
+            <a:xfrm>
+              <a:off x="14727" y="4783"/>
+              <a:ext cx="636" cy="321"/>
+            </a:xfrm>
+            <a:prstGeom prst="rect">
+              <a:avLst/>
+            </a:prstGeom>
+          </p:spPr>
+          <p:style>
+            <a:lnRef idx="2">
+              <a:schemeClr val="accent1">
+                <a:shade val="50000"/>
+              </a:schemeClr>
+            </a:lnRef>
+            <a:fillRef idx="1">
+              <a:schemeClr val="accent1"/>
+            </a:fillRef>
+            <a:effectRef idx="0">
+              <a:schemeClr val="accent1"/>
+            </a:effectRef>
+            <a:fontRef idx="minor">
+              <a:schemeClr val="lt1"/>
+            </a:fontRef>
+          </p:style>
+          <p:txBody>
+            <a:bodyPr rtlCol="0" anchor="ctr"/>
+            <a:p>
+              <a:pPr algn="ctr"/>
+              <a:r>
+                <a:rPr lang="en-US" altLang="zh-CN" sz="1000">
+                  <a:solidFill>
+                    <a:schemeClr val="tx1"/>
+                  </a:solidFill>
+                  <a:sym typeface="+mn-ea"/>
+                </a:rPr>
+                <a:t>xx</a:t>
+              </a:r>
+              <a:endParaRPr lang="en-US" altLang="zh-CN" sz="1000">
+                <a:solidFill>
+                  <a:schemeClr val="tx1"/>
+                </a:solidFill>
+                <a:sym typeface="+mn-ea"/>
+              </a:endParaRPr>
+            </a:p>
+          </p:txBody>
+        </p:sp>
+        <p:sp>
+          <p:nvSpPr>
+            <p:cNvPr id="78" name="矩形 77"/>
+            <p:cNvSpPr/>
+            <p:nvPr/>
+          </p:nvSpPr>
+          <p:spPr>
+            <a:xfrm>
+              <a:off x="14722" y="5106"/>
+              <a:ext cx="636" cy="327"/>
+            </a:xfrm>
+            <a:prstGeom prst="rect">
+              <a:avLst/>
+            </a:prstGeom>
+          </p:spPr>
+          <p:style>
+            <a:lnRef idx="2">
+              <a:schemeClr val="accent1">
+                <a:shade val="50000"/>
+              </a:schemeClr>
+            </a:lnRef>
+            <a:fillRef idx="1">
+              <a:schemeClr val="accent1"/>
+            </a:fillRef>
+            <a:effectRef idx="0">
+              <a:schemeClr val="accent1"/>
+            </a:effectRef>
+            <a:fontRef idx="minor">
+              <a:schemeClr val="lt1"/>
+            </a:fontRef>
+          </p:style>
+          <p:txBody>
+            <a:bodyPr rtlCol="0" anchor="ctr"/>
+            <a:p>
+              <a:pPr algn="ctr"/>
+              <a:r>
+                <a:rPr lang="en-US" altLang="zh-CN" sz="1000">
+                  <a:solidFill>
+                    <a:schemeClr val="tx1"/>
+                  </a:solidFill>
+                  <a:sym typeface="+mn-ea"/>
+                </a:rPr>
+                <a:t>xx</a:t>
+              </a:r>
+              <a:endParaRPr lang="en-US" altLang="zh-CN" sz="1000">
+                <a:solidFill>
+                  <a:schemeClr val="tx1"/>
+                </a:solidFill>
+                <a:sym typeface="+mn-ea"/>
+              </a:endParaRPr>
+            </a:p>
+          </p:txBody>
+        </p:sp>
+      </p:grpSp>
     </p:spTree>
     <p:custDataLst>
       <p:tags r:id="rId1"/>
@@ -19089,22 +20993,9 @@
 
 <file path=ppt/tags/tag64.xml><?xml version="1.0" encoding="utf-8"?>
 <p:tagLst xmlns:p="http://schemas.openxmlformats.org/presentationml/2006/main">
-  <p:tag name="KSO_WM_SLIDE_ID" val="custom20205176_1"/>
-  <p:tag name="KSO_WM_TEMPLATE_SUBCATEGORY" val="19"/>
-  <p:tag name="KSO_WM_TEMPLATE_MASTER_TYPE" val="0"/>
-  <p:tag name="KSO_WM_TEMPLATE_COLOR_TYPE" val="1"/>
-  <p:tag name="KSO_WM_SLIDE_TYPE" val="title"/>
-  <p:tag name="KSO_WM_SLIDE_SUBTYPE" val="defaultBlank"/>
-  <p:tag name="KSO_WM_SLIDE_ITEM_CNT" val="0"/>
-  <p:tag name="KSO_WM_SLIDE_INDEX" val="1"/>
-  <p:tag name="KSO_WM_TAG_VERSION" val="1.0"/>
   <p:tag name="KSO_WM_BEAUTIFY_FLAG" val="#wm#"/>
   <p:tag name="KSO_WM_TEMPLATE_CATEGORY" val="custom"/>
   <p:tag name="KSO_WM_TEMPLATE_INDEX" val="20205176"/>
-  <p:tag name="KSO_WM_SLIDE_LAYOUT" val="a_b"/>
-  <p:tag name="KSO_WM_SLIDE_LAYOUT_CNT" val="1_1"/>
-  <p:tag name="KSO_WM_UNIT_SHOW_EDIT_AREA_INDICATION" val="1"/>
-  <p:tag name="KSO_WM_TEMPLATE_THUMBS_INDEX" val="1、4、7、12、13、14、15、16、17、18、20、24、25、28、33、36、40、43、44"/>
 </p:tagLst>
 </file>
 
@@ -19142,7 +21033,22 @@
 
 <file path=ppt/tags/tag69.xml><?xml version="1.0" encoding="utf-8"?>
 <p:tagLst xmlns:p="http://schemas.openxmlformats.org/presentationml/2006/main">
-  <p:tag name="COMMONDATA" val="eyJoZGlkIjoiZjE2MDQ2ODIzNGUwZmE2ZjIzNTAxNWEyMjUxZjI2NWIifQ=="/>
+  <p:tag name="KSO_WM_SLIDE_ID" val="custom20205176_1"/>
+  <p:tag name="KSO_WM_TEMPLATE_SUBCATEGORY" val="19"/>
+  <p:tag name="KSO_WM_TEMPLATE_MASTER_TYPE" val="0"/>
+  <p:tag name="KSO_WM_TEMPLATE_COLOR_TYPE" val="1"/>
+  <p:tag name="KSO_WM_SLIDE_TYPE" val="title"/>
+  <p:tag name="KSO_WM_SLIDE_SUBTYPE" val="defaultBlank"/>
+  <p:tag name="KSO_WM_SLIDE_ITEM_CNT" val="0"/>
+  <p:tag name="KSO_WM_SLIDE_INDEX" val="1"/>
+  <p:tag name="KSO_WM_TAG_VERSION" val="1.0"/>
+  <p:tag name="KSO_WM_BEAUTIFY_FLAG" val="#wm#"/>
+  <p:tag name="KSO_WM_TEMPLATE_CATEGORY" val="custom"/>
+  <p:tag name="KSO_WM_TEMPLATE_INDEX" val="20205176"/>
+  <p:tag name="KSO_WM_SLIDE_LAYOUT" val="a_b"/>
+  <p:tag name="KSO_WM_SLIDE_LAYOUT_CNT" val="1_1"/>
+  <p:tag name="KSO_WM_UNIT_SHOW_EDIT_AREA_INDICATION" val="1"/>
+  <p:tag name="KSO_WM_TEMPLATE_THUMBS_INDEX" val="1、4、7、12、13、14、15、16、17、18、20、24、25、28、33、36、40、43、44"/>
 </p:tagLst>
 </file>
 
@@ -19156,6 +21062,12 @@
   <p:tag name="KSO_WM_UNIT_LAYERLEVEL" val="1"/>
   <p:tag name="KSO_WM_TAG_VERSION" val="1.0"/>
   <p:tag name="KSO_WM_BEAUTIFY_FLAG" val="#wm#"/>
+</p:tagLst>
+</file>
+
+<file path=ppt/tags/tag70.xml><?xml version="1.0" encoding="utf-8"?>
+<p:tagLst xmlns:p="http://schemas.openxmlformats.org/presentationml/2006/main">
+  <p:tag name="COMMONDATA" val="eyJoZGlkIjoiZjE2MDQ2ODIzNGUwZmE2ZjIzNTAxNWEyMjUxZjI2NWIifQ=="/>
 </p:tagLst>
 </file>
 
